--- a/ServiceNow_Ai_Agent.pptx
+++ b/ServiceNow_Ai_Agent.pptx
@@ -124,6 +124,11 @@
       </a:defRPr>
     </a:lvl9pPr>
   </p:defaultTextStyle>
+  <p:extLst>
+    <p:ext uri="{EFAFB233-063F-42B5-8137-9DF3F51BA10A}">
+      <p15:sldGuideLst xmlns:p15="http://schemas.microsoft.com/office/powerpoint/2012/main"/>
+    </p:ext>
+  </p:extLst>
 </p:presentation>
 </file>
 
@@ -18333,7 +18338,7 @@
           <a:p>
             <a:fld id="{6444479B-705B-4489-957E-7E8A228BDFA0}" type="datetime1">
               <a:rPr lang="en-US" smtClean="0"/>
-              <a:t>5/26/25</a:t>
+              <a:t>5/27/25</a:t>
             </a:fld>
             <a:endParaRPr lang="en-US"/>
           </a:p>
@@ -18503,7 +18508,7 @@
           <a:p>
             <a:fld id="{C07B66AD-7C08-490A-ADA4-B47E10FB2407}" type="datetime1">
               <a:rPr lang="en-US" smtClean="0"/>
-              <a:t>5/26/25</a:t>
+              <a:t>5/27/25</a:t>
             </a:fld>
             <a:endParaRPr lang="en-US"/>
           </a:p>
@@ -18683,7 +18688,7 @@
           <a:p>
             <a:fld id="{05B95027-4255-49E7-9841-CD21BCC99996}" type="datetime1">
               <a:rPr lang="en-US" smtClean="0"/>
-              <a:t>5/26/25</a:t>
+              <a:t>5/27/25</a:t>
             </a:fld>
             <a:endParaRPr lang="en-US"/>
           </a:p>
@@ -18853,7 +18858,7 @@
           <a:p>
             <a:fld id="{9F89F774-3FA6-43B8-9241-99959C8FD463}" type="datetime1">
               <a:rPr lang="en-US" smtClean="0"/>
-              <a:t>5/26/25</a:t>
+              <a:t>5/27/25</a:t>
             </a:fld>
             <a:endParaRPr lang="en-US"/>
           </a:p>
@@ -19099,7 +19104,7 @@
           <a:p>
             <a:fld id="{F9504452-5DCC-4FE2-A5C9-8A5EF6714D65}" type="datetime1">
               <a:rPr lang="en-US" smtClean="0"/>
-              <a:t>5/26/25</a:t>
+              <a:t>5/27/25</a:t>
             </a:fld>
             <a:endParaRPr lang="en-US"/>
           </a:p>
@@ -19331,7 +19336,7 @@
           <a:p>
             <a:fld id="{E579ABC2-0180-4F3A-A895-A85BC724D472}" type="datetime1">
               <a:rPr lang="en-US" smtClean="0"/>
-              <a:t>5/26/25</a:t>
+              <a:t>5/27/25</a:t>
             </a:fld>
             <a:endParaRPr lang="en-US"/>
           </a:p>
@@ -19698,7 +19703,7 @@
           <a:p>
             <a:fld id="{6AEEA9BA-4E8F-439E-BEA4-91FBA01E3F5F}" type="datetime1">
               <a:rPr lang="en-US" smtClean="0"/>
-              <a:t>5/26/25</a:t>
+              <a:t>5/27/25</a:t>
             </a:fld>
             <a:endParaRPr lang="en-US"/>
           </a:p>
@@ -19816,7 +19821,7 @@
           <a:p>
             <a:fld id="{BE15BF18-0007-481C-AA29-413124BC3EE7}" type="datetime1">
               <a:rPr lang="en-US" smtClean="0"/>
-              <a:t>5/26/25</a:t>
+              <a:t>5/27/25</a:t>
             </a:fld>
             <a:endParaRPr lang="en-US"/>
           </a:p>
@@ -19911,7 +19916,7 @@
           <a:p>
             <a:fld id="{09BE9870-3748-43AD-B547-02A075CB4A1D}" type="datetime1">
               <a:rPr lang="en-US" smtClean="0"/>
-              <a:t>5/26/25</a:t>
+              <a:t>5/27/25</a:t>
             </a:fld>
             <a:endParaRPr lang="en-US"/>
           </a:p>
@@ -20188,7 +20193,7 @@
           <a:p>
             <a:fld id="{558E7897-33C5-4F1A-9307-D068E37F3DC7}" type="datetime1">
               <a:rPr lang="en-US" smtClean="0"/>
-              <a:t>5/26/25</a:t>
+              <a:t>5/27/25</a:t>
             </a:fld>
             <a:endParaRPr lang="en-US"/>
           </a:p>
@@ -20445,7 +20450,7 @@
           <a:p>
             <a:fld id="{82E171BA-CC09-47C8-A6DF-F5C5CB59CEEC}" type="datetime1">
               <a:rPr lang="en-US" smtClean="0"/>
-              <a:t>5/26/25</a:t>
+              <a:t>5/27/25</a:t>
             </a:fld>
             <a:endParaRPr lang="en-US"/>
           </a:p>
@@ -20658,7 +20663,7 @@
           <a:p>
             <a:fld id="{7DA38F49-B3E2-4BF0-BEC7-C30D34ABBB8D}" type="datetime1">
               <a:rPr lang="en-US" smtClean="0"/>
-              <a:t>5/26/25</a:t>
+              <a:t>5/27/25</a:t>
             </a:fld>
             <a:endParaRPr lang="en-US"/>
           </a:p>
